--- a/spec.pptx
+++ b/spec.pptx
@@ -1,6 +1,6 @@
 
 <file path=ppt/presentation.xml><?xml version="1.0" encoding="utf-8"?>
-<p:presentation xmlns:a="http://schemas.openxmlformats.org/drawingml/2006/main" xmlns:r="http://schemas.openxmlformats.org/officeDocument/2006/relationships" xmlns:p="http://schemas.openxmlformats.org/presentationml/2006/main" embedTrueTypeFonts="1">
+<p:presentation xmlns:a="http://schemas.openxmlformats.org/drawingml/2006/main" xmlns:r="http://schemas.openxmlformats.org/officeDocument/2006/relationships" xmlns:p="http://schemas.openxmlformats.org/presentationml/2006/main" saveSubsetFonts="1">
   <p:sldMasterIdLst>
     <p:sldMasterId id="2147483664" r:id="rId5"/>
     <p:sldMasterId id="2147483690" r:id="rId6"/>
@@ -18,34 +18,6 @@
   </p:sldIdLst>
   <p:sldSz cx="12192000" cy="6858000"/>
   <p:notesSz cx="6858000" cy="9144000"/>
-  <p:embeddedFontLst>
-    <p:embeddedFont>
-      <p:font typeface="Segoe UI Light" panose="020B0502040204020203" pitchFamily="34" charset="0"/>
-      <p:regular r:id="rId12"/>
-      <p:italic r:id="rId13"/>
-    </p:embeddedFont>
-    <p:embeddedFont>
-      <p:font typeface="Segoe UI" panose="020B0502040204020203" pitchFamily="34" charset="0"/>
-      <p:regular r:id="rId14"/>
-      <p:bold r:id="rId15"/>
-      <p:italic r:id="rId16"/>
-      <p:boldItalic r:id="rId17"/>
-    </p:embeddedFont>
-    <p:embeddedFont>
-      <p:font typeface="Consolas" panose="020B0609020204030204" pitchFamily="49" charset="0"/>
-      <p:regular r:id="rId18"/>
-      <p:bold r:id="rId19"/>
-      <p:italic r:id="rId20"/>
-      <p:boldItalic r:id="rId21"/>
-    </p:embeddedFont>
-    <p:embeddedFont>
-      <p:font typeface="Calibri" panose="020F0502020204030204" pitchFamily="34" charset="0"/>
-      <p:regular r:id="rId22"/>
-      <p:bold r:id="rId23"/>
-      <p:italic r:id="rId24"/>
-      <p:boldItalic r:id="rId25"/>
-    </p:embeddedFont>
-  </p:embeddedFontLst>
   <p:defaultTextStyle>
     <a:defPPr>
       <a:defRPr lang="ru-RU"/>
@@ -7110,7 +7082,7 @@
           <a:p>
             <a:fld id="{CE3BC3F9-9C5B-4717-9F59-36DC790402FE}" type="datetimeFigureOut">
               <a:rPr lang="ru-RU" smtClean="0"/>
-              <a:t>03.10.2016</a:t>
+              <a:t>09.10.2016</a:t>
             </a:fld>
             <a:endParaRPr lang="ru-RU"/>
           </a:p>
@@ -7275,7 +7247,7 @@
           <a:p>
             <a:fld id="{BBBAA9EB-8042-420D-843C-EBFC35DD9FFD}" type="datetimeFigureOut">
               <a:rPr lang="ru-RU" smtClean="0"/>
-              <a:t>03.10.2016</a:t>
+              <a:t>09.10.2016</a:t>
             </a:fld>
             <a:endParaRPr lang="ru-RU"/>
           </a:p>
@@ -12491,7 +12463,7 @@
         <a:srgbClr val="2B91AF"/>
       </a:accent5>
       <a:accent6>
-        <a:srgbClr val="F79646"/>
+        <a:srgbClr val="A31515"/>
       </a:accent6>
       <a:hlink>
         <a:srgbClr val="0070C0"/>
@@ -13270,49 +13242,15 @@
 </file>
 
 <file path=customXml/item1.xml><?xml version="1.0" encoding="utf-8"?>
-<?mso-contentType ?>
-<spe:Receivers xmlns:spe="http://schemas.microsoft.com/sharepoint/events">
-  <Receiver>
-    <Name>Document ID Generator</Name>
-    <Synchronization>Synchronous</Synchronization>
-    <Type>10001</Type>
-    <SequenceNumber>1000</SequenceNumber>
-    <Assembly>Microsoft.Office.DocumentManagement, Version=14.0.0.0, Culture=neutral, PublicKeyToken=71e9bce111e9429c</Assembly>
-    <Class>Microsoft.Office.DocumentManagement.Internal.DocIdHandler</Class>
-    <Data/>
-    <Filter/>
-  </Receiver>
-  <Receiver>
-    <Name>Document ID Generator</Name>
-    <Synchronization>Synchronous</Synchronization>
-    <Type>10002</Type>
-    <SequenceNumber>1001</SequenceNumber>
-    <Assembly>Microsoft.Office.DocumentManagement, Version=14.0.0.0, Culture=neutral, PublicKeyToken=71e9bce111e9429c</Assembly>
-    <Class>Microsoft.Office.DocumentManagement.Internal.DocIdHandler</Class>
-    <Data/>
-    <Filter/>
-  </Receiver>
-  <Receiver>
-    <Name>Document ID Generator</Name>
-    <Synchronization>Synchronous</Synchronization>
-    <Type>10004</Type>
-    <SequenceNumber>1002</SequenceNumber>
-    <Assembly>Microsoft.Office.DocumentManagement, Version=14.0.0.0, Culture=neutral, PublicKeyToken=71e9bce111e9429c</Assembly>
-    <Class>Microsoft.Office.DocumentManagement.Internal.DocIdHandler</Class>
-    <Data/>
-    <Filter/>
-  </Receiver>
-  <Receiver>
-    <Name>Document ID Generator</Name>
-    <Synchronization>Synchronous</Synchronization>
-    <Type>10006</Type>
-    <SequenceNumber>1003</SequenceNumber>
-    <Assembly>Microsoft.Office.DocumentManagement, Version=14.0.0.0, Culture=neutral, PublicKeyToken=71e9bce111e9429c</Assembly>
-    <Class>Microsoft.Office.DocumentManagement.Internal.DocIdHandler</Class>
-    <Data/>
-    <Filter/>
-  </Receiver>
-</spe:Receivers>
+<p:properties xmlns:p="http://schemas.microsoft.com/office/2006/metadata/properties" xmlns:xsi="http://www.w3.org/2001/XMLSchema-instance" xmlns:pc="http://schemas.microsoft.com/office/infopath/2007/PartnerControls">
+  <documentManagement>
+    <_dlc_DocId xmlns="0c9149cd-f996-4d9e-91c9-ce8e5945528f">KQK76PRV35WE-1143-163</_dlc_DocId>
+    <_dlc_DocIdUrl xmlns="0c9149cd-f996-4d9e-91c9-ce8e5945528f">
+      <Url>https://sps.skbkontur.ru/Services/officespace/_layouts/DocIdRedir.aspx?ID=KQK76PRV35WE-1143-163</Url>
+      <Description>KQK76PRV35WE-1143-163</Description>
+    </_dlc_DocIdUrl>
+  </documentManagement>
+</p:properties>
 </file>
 
 <file path=customXml/item2.xml><?xml version="1.0" encoding="utf-8"?>
@@ -13461,15 +13399,49 @@
 </file>
 
 <file path=customXml/item3.xml><?xml version="1.0" encoding="utf-8"?>
-<p:properties xmlns:p="http://schemas.microsoft.com/office/2006/metadata/properties" xmlns:xsi="http://www.w3.org/2001/XMLSchema-instance" xmlns:pc="http://schemas.microsoft.com/office/infopath/2007/PartnerControls">
-  <documentManagement>
-    <_dlc_DocId xmlns="0c9149cd-f996-4d9e-91c9-ce8e5945528f">KQK76PRV35WE-1143-163</_dlc_DocId>
-    <_dlc_DocIdUrl xmlns="0c9149cd-f996-4d9e-91c9-ce8e5945528f">
-      <Url>https://sps.skbkontur.ru/Services/officespace/_layouts/DocIdRedir.aspx?ID=KQK76PRV35WE-1143-163</Url>
-      <Description>KQK76PRV35WE-1143-163</Description>
-    </_dlc_DocIdUrl>
-  </documentManagement>
-</p:properties>
+<?mso-contentType ?>
+<spe:Receivers xmlns:spe="http://schemas.microsoft.com/sharepoint/events">
+  <Receiver>
+    <Name>Document ID Generator</Name>
+    <Synchronization>Synchronous</Synchronization>
+    <Type>10001</Type>
+    <SequenceNumber>1000</SequenceNumber>
+    <Assembly>Microsoft.Office.DocumentManagement, Version=14.0.0.0, Culture=neutral, PublicKeyToken=71e9bce111e9429c</Assembly>
+    <Class>Microsoft.Office.DocumentManagement.Internal.DocIdHandler</Class>
+    <Data/>
+    <Filter/>
+  </Receiver>
+  <Receiver>
+    <Name>Document ID Generator</Name>
+    <Synchronization>Synchronous</Synchronization>
+    <Type>10002</Type>
+    <SequenceNumber>1001</SequenceNumber>
+    <Assembly>Microsoft.Office.DocumentManagement, Version=14.0.0.0, Culture=neutral, PublicKeyToken=71e9bce111e9429c</Assembly>
+    <Class>Microsoft.Office.DocumentManagement.Internal.DocIdHandler</Class>
+    <Data/>
+    <Filter/>
+  </Receiver>
+  <Receiver>
+    <Name>Document ID Generator</Name>
+    <Synchronization>Synchronous</Synchronization>
+    <Type>10004</Type>
+    <SequenceNumber>1002</SequenceNumber>
+    <Assembly>Microsoft.Office.DocumentManagement, Version=14.0.0.0, Culture=neutral, PublicKeyToken=71e9bce111e9429c</Assembly>
+    <Class>Microsoft.Office.DocumentManagement.Internal.DocIdHandler</Class>
+    <Data/>
+    <Filter/>
+  </Receiver>
+  <Receiver>
+    <Name>Document ID Generator</Name>
+    <Synchronization>Synchronous</Synchronization>
+    <Type>10006</Type>
+    <SequenceNumber>1003</SequenceNumber>
+    <Assembly>Microsoft.Office.DocumentManagement, Version=14.0.0.0, Culture=neutral, PublicKeyToken=71e9bce111e9429c</Assembly>
+    <Class>Microsoft.Office.DocumentManagement.Internal.DocIdHandler</Class>
+    <Data/>
+    <Filter/>
+  </Receiver>
+</spe:Receivers>
 </file>
 
 <file path=customXml/item4.xml><?xml version="1.0" encoding="utf-8"?>
@@ -13482,9 +13454,17 @@
 </file>
 
 <file path=customXml/itemProps1.xml><?xml version="1.0" encoding="utf-8"?>
-<ds:datastoreItem xmlns:ds="http://schemas.openxmlformats.org/officeDocument/2006/customXml" ds:itemID="{4D57F3B4-626C-48E6-A3BF-29668BFEB3E8}">
+<ds:datastoreItem xmlns:ds="http://schemas.openxmlformats.org/officeDocument/2006/customXml" ds:itemID="{45CE6859-96AE-4F55-91FD-B1143C1F920F}">
   <ds:schemaRefs>
-    <ds:schemaRef ds:uri="http://schemas.microsoft.com/sharepoint/events"/>
+    <ds:schemaRef ds:uri="http://purl.org/dc/elements/1.1/"/>
+    <ds:schemaRef ds:uri="http://schemas.microsoft.com/office/2006/metadata/properties"/>
+    <ds:schemaRef ds:uri="http://schemas.microsoft.com/office/infopath/2007/PartnerControls"/>
+    <ds:schemaRef ds:uri="0c9149cd-f996-4d9e-91c9-ce8e5945528f"/>
+    <ds:schemaRef ds:uri="http://schemas.microsoft.com/office/2006/documentManagement/types"/>
+    <ds:schemaRef ds:uri="http://purl.org/dc/dcmitype/"/>
+    <ds:schemaRef ds:uri="http://schemas.openxmlformats.org/package/2006/metadata/core-properties"/>
+    <ds:schemaRef ds:uri="http://www.w3.org/XML/1998/namespace"/>
+    <ds:schemaRef ds:uri="http://purl.org/dc/terms/"/>
   </ds:schemaRefs>
 </ds:datastoreItem>
 </file>
@@ -13508,17 +13488,9 @@
 </file>
 
 <file path=customXml/itemProps3.xml><?xml version="1.0" encoding="utf-8"?>
-<ds:datastoreItem xmlns:ds="http://schemas.openxmlformats.org/officeDocument/2006/customXml" ds:itemID="{45CE6859-96AE-4F55-91FD-B1143C1F920F}">
+<ds:datastoreItem xmlns:ds="http://schemas.openxmlformats.org/officeDocument/2006/customXml" ds:itemID="{4D57F3B4-626C-48E6-A3BF-29668BFEB3E8}">
   <ds:schemaRefs>
-    <ds:schemaRef ds:uri="http://schemas.openxmlformats.org/package/2006/metadata/core-properties"/>
-    <ds:schemaRef ds:uri="http://www.w3.org/XML/1998/namespace"/>
-    <ds:schemaRef ds:uri="http://purl.org/dc/dcmitype/"/>
-    <ds:schemaRef ds:uri="0c9149cd-f996-4d9e-91c9-ce8e5945528f"/>
-    <ds:schemaRef ds:uri="http://purl.org/dc/terms/"/>
-    <ds:schemaRef ds:uri="http://schemas.microsoft.com/office/2006/metadata/properties"/>
-    <ds:schemaRef ds:uri="http://schemas.microsoft.com/office/2006/documentManagement/types"/>
-    <ds:schemaRef ds:uri="http://purl.org/dc/elements/1.1/"/>
-    <ds:schemaRef ds:uri="http://schemas.microsoft.com/office/infopath/2007/PartnerControls"/>
+    <ds:schemaRef ds:uri="http://schemas.microsoft.com/sharepoint/events"/>
   </ds:schemaRefs>
 </ds:datastoreItem>
 </file>
